--- a/Azure Role Based Certification.pptx
+++ b/Azure Role Based Certification.pptx
@@ -121,13 +121,18 @@
       </a:defRPr>
     </a:lvl9pPr>
   </p:defaultTextStyle>
+  <p:extLst>
+    <p:ext uri="{EFAFB233-063F-42B5-8137-9DF3F51BA10A}">
+      <p15:sldGuideLst xmlns:p15="http://schemas.microsoft.com/office/powerpoint/2012/main"/>
+    </p:ext>
+  </p:extLst>
 </p:presentation>
 </file>
 
 <file path=ppt/revisionInfo.xml><?xml version="1.0" encoding="utf-8"?>
 <p1510:revInfo xmlns:a="http://schemas.openxmlformats.org/drawingml/2006/main" xmlns:r="http://schemas.openxmlformats.org/officeDocument/2006/relationships" xmlns:p1510="http://schemas.microsoft.com/office/powerpoint/2015/10/main">
   <p1510:revLst>
-    <p1510:client id="{0BB60A15-E81C-462D-A8ED-0DBFBCFEB637}" v="3106" dt="2020-01-21T20:47:32.141"/>
+    <p1510:client id="{0BB60A15-E81C-462D-A8ED-0DBFBCFEB637}" v="3110" dt="2020-01-21T21:01:13.868"/>
   </p1510:revLst>
 </p1510:revInfo>
 </file>
@@ -136,8 +141,8 @@
 <pc:chgInfo xmlns:a="http://schemas.openxmlformats.org/drawingml/2006/main" xmlns:r="http://schemas.openxmlformats.org/officeDocument/2006/relationships" xmlns:ac="http://schemas.microsoft.com/office/drawing/2013/main/command" xmlns:pc="http://schemas.microsoft.com/office/powerpoint/2013/main/command">
   <pc:docChgLst>
     <pc:chgData name="Eric M. Flamm" userId="85cd6ed2a8e6f4b2" providerId="LiveId" clId="{0BB60A15-E81C-462D-A8ED-0DBFBCFEB637}"/>
-    <pc:docChg chg="addSld modSld">
-      <pc:chgData name="Eric M. Flamm" userId="85cd6ed2a8e6f4b2" providerId="LiveId" clId="{0BB60A15-E81C-462D-A8ED-0DBFBCFEB637}" dt="2020-01-21T20:47:32.140" v="3075" actId="1076"/>
+    <pc:docChg chg="custSel addSld modSld">
+      <pc:chgData name="Eric M. Flamm" userId="85cd6ed2a8e6f4b2" providerId="LiveId" clId="{0BB60A15-E81C-462D-A8ED-0DBFBCFEB637}" dt="2020-01-21T21:03:07.312" v="3106" actId="729"/>
       <pc:docMkLst>
         <pc:docMk/>
       </pc:docMkLst>
@@ -341,7 +346,7 @@
         </pc:sldMkLst>
       </pc:sldChg>
       <pc:sldChg chg="modSp">
-        <pc:chgData name="Eric M. Flamm" userId="85cd6ed2a8e6f4b2" providerId="LiveId" clId="{0BB60A15-E81C-462D-A8ED-0DBFBCFEB637}" dt="2020-01-21T20:42:57.694" v="3034" actId="27636"/>
+        <pc:chgData name="Eric M. Flamm" userId="85cd6ed2a8e6f4b2" providerId="LiveId" clId="{0BB60A15-E81C-462D-A8ED-0DBFBCFEB637}" dt="2020-01-21T21:01:20.125" v="3105" actId="113"/>
         <pc:sldMkLst>
           <pc:docMk/>
           <pc:sldMk cId="4034427415" sldId="266"/>
@@ -355,7 +360,7 @@
           </ac:spMkLst>
         </pc:spChg>
         <pc:spChg chg="mod">
-          <ac:chgData name="Eric M. Flamm" userId="85cd6ed2a8e6f4b2" providerId="LiveId" clId="{0BB60A15-E81C-462D-A8ED-0DBFBCFEB637}" dt="2020-01-21T20:42:57.694" v="3034" actId="27636"/>
+          <ac:chgData name="Eric M. Flamm" userId="85cd6ed2a8e6f4b2" providerId="LiveId" clId="{0BB60A15-E81C-462D-A8ED-0DBFBCFEB637}" dt="2020-01-21T21:01:20.125" v="3105" actId="113"/>
           <ac:spMkLst>
             <pc:docMk/>
             <pc:sldMk cId="4034427415" sldId="266"/>
@@ -583,7 +588,7 @@
         </pc:spChg>
       </pc:sldChg>
       <pc:sldChg chg="modSp add">
-        <pc:chgData name="Eric M. Flamm" userId="85cd6ed2a8e6f4b2" providerId="LiveId" clId="{0BB60A15-E81C-462D-A8ED-0DBFBCFEB637}" dt="2020-01-21T20:36:08.084" v="2932"/>
+        <pc:chgData name="Eric M. Flamm" userId="85cd6ed2a8e6f4b2" providerId="LiveId" clId="{0BB60A15-E81C-462D-A8ED-0DBFBCFEB637}" dt="2020-01-21T20:55:18.443" v="3096" actId="313"/>
         <pc:sldMkLst>
           <pc:docMk/>
           <pc:sldMk cId="1223296042" sldId="272"/>
@@ -597,7 +602,7 @@
           </ac:spMkLst>
         </pc:spChg>
         <pc:spChg chg="mod">
-          <ac:chgData name="Eric M. Flamm" userId="85cd6ed2a8e6f4b2" providerId="LiveId" clId="{0BB60A15-E81C-462D-A8ED-0DBFBCFEB637}" dt="2020-01-21T20:36:08.084" v="2932"/>
+          <ac:chgData name="Eric M. Flamm" userId="85cd6ed2a8e6f4b2" providerId="LiveId" clId="{0BB60A15-E81C-462D-A8ED-0DBFBCFEB637}" dt="2020-01-21T20:55:18.443" v="3096" actId="313"/>
           <ac:spMkLst>
             <pc:docMk/>
             <pc:sldMk cId="1223296042" sldId="272"/>
@@ -605,8 +610,8 @@
           </ac:spMkLst>
         </pc:spChg>
       </pc:sldChg>
-      <pc:sldChg chg="addSp delSp add">
-        <pc:chgData name="Eric M. Flamm" userId="85cd6ed2a8e6f4b2" providerId="LiveId" clId="{0BB60A15-E81C-462D-A8ED-0DBFBCFEB637}" dt="2020-01-21T20:39:32.665" v="2944"/>
+      <pc:sldChg chg="addSp delSp add mod modShow">
+        <pc:chgData name="Eric M. Flamm" userId="85cd6ed2a8e6f4b2" providerId="LiveId" clId="{0BB60A15-E81C-462D-A8ED-0DBFBCFEB637}" dt="2020-01-21T21:03:07.312" v="3106" actId="729"/>
         <pc:sldMkLst>
           <pc:docMk/>
           <pc:sldMk cId="3616640454" sldId="273"/>
@@ -6990,24 +6995,37 @@
           <a:p>
             <a:r>
               <a:rPr lang="en-US" dirty="0"/>
-              <a:t>Pluralsight - </a:t>
+              <a:t>Microsoft Learn - </a:t>
             </a:r>
             <a:r>
               <a:rPr lang="en-US" dirty="0">
                 <a:hlinkClick r:id="rId2"/>
               </a:rPr>
-              <a:t>https://app.pluralsight.com/library/</a:t>
-            </a:r>
-            <a:endParaRPr lang="en-US" dirty="0"/>
-          </a:p>
-          <a:p>
-            <a:r>
-              <a:rPr lang="en-US" dirty="0"/>
-              <a:t>Practice Tests - </a:t>
+              <a:t>https://docs.microsoft.com/en-us/learn/paths/architect-great-solutions-in-azure/</a:t>
+            </a:r>
+            <a:endParaRPr lang="en-US" dirty="0"/>
+          </a:p>
+          <a:p>
+            <a:r>
+              <a:rPr lang="en-US" dirty="0"/>
+              <a:t>Pluralsight - </a:t>
             </a:r>
             <a:r>
               <a:rPr lang="en-US" dirty="0">
                 <a:hlinkClick r:id="rId3"/>
+              </a:rPr>
+              <a:t>https://app.pluralsight.com/library/</a:t>
+            </a:r>
+            <a:endParaRPr lang="en-US" dirty="0"/>
+          </a:p>
+          <a:p>
+            <a:r>
+              <a:rPr lang="en-US" dirty="0"/>
+              <a:t>Practice Tests - </a:t>
+            </a:r>
+            <a:r>
+              <a:rPr lang="en-US" dirty="0">
+                <a:hlinkClick r:id="rId4"/>
               </a:rPr>
               <a:t>https://www.measureup.com/</a:t>
             </a:r>
@@ -7180,7 +7198,7 @@
         </p:spPr>
         <p:txBody>
           <a:bodyPr>
-            <a:normAutofit/>
+            <a:normAutofit fontScale="92500" lnSpcReduction="10000"/>
           </a:bodyPr>
           <a:lstStyle/>
           <a:p>
@@ -7370,14 +7388,30 @@
             </a:pPr>
             <a:r>
               <a:rPr lang="en-US" sz="1800" b="1" dirty="0"/>
-              <a:t>(https://docs.microsoft.com/en-us/learn/certifications/courses/browse/)</a:t>
+              <a:t>(</a:t>
+            </a:r>
+            <a:r>
+              <a:rPr lang="en-US" sz="1800" b="1" dirty="0">
+                <a:hlinkClick r:id="rId7"/>
+              </a:rPr>
+              <a:t>https://docs.microsoft.com/en-us/learn/certifications/courses/browse/</a:t>
+            </a:r>
+            <a:r>
+              <a:rPr lang="en-US" sz="1800" b="1" dirty="0"/>
+              <a:t>)</a:t>
             </a:r>
           </a:p>
           <a:p>
             <a:pPr marL="0" indent="0">
               <a:buNone/>
             </a:pPr>
-            <a:endParaRPr lang="en-US" dirty="0"/>
+            <a:r>
+              <a:rPr lang="en-US" b="1" dirty="0">
+                <a:hlinkClick r:id="rId8"/>
+              </a:rPr>
+              <a:t>Azure Docs</a:t>
+            </a:r>
+            <a:endParaRPr lang="en-US" b="1" dirty="0"/>
           </a:p>
         </p:txBody>
       </p:sp>
@@ -7879,7 +7913,7 @@
 </file>
 
 <file path=ppt/slides/slide18.xml><?xml version="1.0" encoding="utf-8"?>
-<p:sld xmlns:a="http://schemas.openxmlformats.org/drawingml/2006/main" xmlns:r="http://schemas.openxmlformats.org/officeDocument/2006/relationships" xmlns:p="http://schemas.openxmlformats.org/presentationml/2006/main">
+<p:sld xmlns:a="http://schemas.openxmlformats.org/drawingml/2006/main" xmlns:r="http://schemas.openxmlformats.org/officeDocument/2006/relationships" xmlns:p="http://schemas.openxmlformats.org/presentationml/2006/main" show="0">
   <p:cSld>
     <p:spTree>
       <p:nvGrpSpPr>

--- a/Azure Role Based Certification.pptx
+++ b/Azure Role Based Certification.pptx
@@ -132,7 +132,8 @@
 <file path=ppt/revisionInfo.xml><?xml version="1.0" encoding="utf-8"?>
 <p1510:revInfo xmlns:a="http://schemas.openxmlformats.org/drawingml/2006/main" xmlns:r="http://schemas.openxmlformats.org/officeDocument/2006/relationships" xmlns:p1510="http://schemas.microsoft.com/office/powerpoint/2015/10/main">
   <p1510:revLst>
-    <p1510:client id="{0BB60A15-E81C-462D-A8ED-0DBFBCFEB637}" v="3110" dt="2020-01-21T21:01:13.868"/>
+    <p1510:client id="{0BB60A15-E81C-462D-A8ED-0DBFBCFEB637}" v="3113" dt="2020-01-22T15:52:25.866"/>
+    <p1510:client id="{658B8A1C-C00F-491A-BF1F-C39CEEB74966}" v="79" dt="2020-01-21T23:24:40.901"/>
   </p1510:revLst>
 </p1510:revInfo>
 </file>
@@ -141,196 +142,19 @@
 <pc:chgInfo xmlns:a="http://schemas.openxmlformats.org/drawingml/2006/main" xmlns:r="http://schemas.openxmlformats.org/officeDocument/2006/relationships" xmlns:ac="http://schemas.microsoft.com/office/drawing/2013/main/command" xmlns:pc="http://schemas.microsoft.com/office/powerpoint/2013/main/command">
   <pc:docChgLst>
     <pc:chgData name="Eric M. Flamm" userId="85cd6ed2a8e6f4b2" providerId="LiveId" clId="{0BB60A15-E81C-462D-A8ED-0DBFBCFEB637}"/>
-    <pc:docChg chg="custSel addSld modSld">
-      <pc:chgData name="Eric M. Flamm" userId="85cd6ed2a8e6f4b2" providerId="LiveId" clId="{0BB60A15-E81C-462D-A8ED-0DBFBCFEB637}" dt="2020-01-21T21:03:07.312" v="3106" actId="729"/>
+    <pc:docChg chg="undo custSel modSld">
+      <pc:chgData name="Eric M. Flamm" userId="85cd6ed2a8e6f4b2" providerId="LiveId" clId="{0BB60A15-E81C-462D-A8ED-0DBFBCFEB637}" dt="2020-01-22T15:54:33.066" v="109" actId="27636"/>
       <pc:docMkLst>
         <pc:docMk/>
       </pc:docMkLst>
       <pc:sldChg chg="modSp">
-        <pc:chgData name="Eric M. Flamm" userId="85cd6ed2a8e6f4b2" providerId="LiveId" clId="{0BB60A15-E81C-462D-A8ED-0DBFBCFEB637}" dt="2020-01-21T19:11:02.543" v="194" actId="20577"/>
-        <pc:sldMkLst>
-          <pc:docMk/>
-          <pc:sldMk cId="4063392318" sldId="256"/>
-        </pc:sldMkLst>
-        <pc:spChg chg="mod">
-          <ac:chgData name="Eric M. Flamm" userId="85cd6ed2a8e6f4b2" providerId="LiveId" clId="{0BB60A15-E81C-462D-A8ED-0DBFBCFEB637}" dt="2020-01-21T19:10:47.640" v="161" actId="404"/>
-          <ac:spMkLst>
-            <pc:docMk/>
-            <pc:sldMk cId="4063392318" sldId="256"/>
-            <ac:spMk id="2" creationId="{BB65A2D4-8770-45AC-B60D-64A92B7281F3}"/>
-          </ac:spMkLst>
-        </pc:spChg>
-        <pc:spChg chg="mod">
-          <ac:chgData name="Eric M. Flamm" userId="85cd6ed2a8e6f4b2" providerId="LiveId" clId="{0BB60A15-E81C-462D-A8ED-0DBFBCFEB637}" dt="2020-01-21T19:11:02.543" v="194" actId="20577"/>
-          <ac:spMkLst>
-            <pc:docMk/>
-            <pc:sldMk cId="4063392318" sldId="256"/>
-            <ac:spMk id="3" creationId="{4FCBE106-F2FA-411E-B430-5F3CC69889A1}"/>
-          </ac:spMkLst>
-        </pc:spChg>
-      </pc:sldChg>
-      <pc:sldChg chg="modSp">
-        <pc:chgData name="Eric M. Flamm" userId="85cd6ed2a8e6f4b2" providerId="LiveId" clId="{0BB60A15-E81C-462D-A8ED-0DBFBCFEB637}" dt="2020-01-21T20:36:26.691" v="2938" actId="20577"/>
-        <pc:sldMkLst>
-          <pc:docMk/>
-          <pc:sldMk cId="3335361978" sldId="257"/>
-        </pc:sldMkLst>
-        <pc:spChg chg="mod">
-          <ac:chgData name="Eric M. Flamm" userId="85cd6ed2a8e6f4b2" providerId="LiveId" clId="{0BB60A15-E81C-462D-A8ED-0DBFBCFEB637}" dt="2020-01-21T20:36:26.691" v="2938" actId="20577"/>
-          <ac:spMkLst>
-            <pc:docMk/>
-            <pc:sldMk cId="3335361978" sldId="257"/>
-            <ac:spMk id="3" creationId="{0DFA472F-15C7-4629-AD64-C5B65FDB45BB}"/>
-          </ac:spMkLst>
-        </pc:spChg>
-      </pc:sldChg>
-      <pc:sldChg chg="modSp">
-        <pc:chgData name="Eric M. Flamm" userId="85cd6ed2a8e6f4b2" providerId="LiveId" clId="{0BB60A15-E81C-462D-A8ED-0DBFBCFEB637}" dt="2020-01-21T20:32:09.184" v="2892" actId="27636"/>
-        <pc:sldMkLst>
-          <pc:docMk/>
-          <pc:sldMk cId="2925004213" sldId="258"/>
-        </pc:sldMkLst>
-        <pc:spChg chg="mod">
-          <ac:chgData name="Eric M. Flamm" userId="85cd6ed2a8e6f4b2" providerId="LiveId" clId="{0BB60A15-E81C-462D-A8ED-0DBFBCFEB637}" dt="2020-01-21T20:32:09.184" v="2892" actId="27636"/>
-          <ac:spMkLst>
-            <pc:docMk/>
-            <pc:sldMk cId="2925004213" sldId="258"/>
-            <ac:spMk id="3" creationId="{CDA3992F-9F52-49BF-8E5A-F54D61108DFB}"/>
-          </ac:spMkLst>
-        </pc:spChg>
-      </pc:sldChg>
-      <pc:sldChg chg="addSp delSp modSp">
-        <pc:chgData name="Eric M. Flamm" userId="85cd6ed2a8e6f4b2" providerId="LiveId" clId="{0BB60A15-E81C-462D-A8ED-0DBFBCFEB637}" dt="2020-01-21T19:24:35.651" v="878" actId="20577"/>
-        <pc:sldMkLst>
-          <pc:docMk/>
-          <pc:sldMk cId="4083497232" sldId="259"/>
-        </pc:sldMkLst>
-        <pc:spChg chg="mod">
-          <ac:chgData name="Eric M. Flamm" userId="85cd6ed2a8e6f4b2" providerId="LiveId" clId="{0BB60A15-E81C-462D-A8ED-0DBFBCFEB637}" dt="2020-01-21T18:58:23.829" v="66" actId="20577"/>
-          <ac:spMkLst>
-            <pc:docMk/>
-            <pc:sldMk cId="4083497232" sldId="259"/>
-            <ac:spMk id="2" creationId="{AC43307C-45B3-43CC-B19D-87DCC6868297}"/>
-          </ac:spMkLst>
-        </pc:spChg>
-        <pc:spChg chg="del">
-          <ac:chgData name="Eric M. Flamm" userId="85cd6ed2a8e6f4b2" providerId="LiveId" clId="{0BB60A15-E81C-462D-A8ED-0DBFBCFEB637}" dt="2020-01-21T18:57:03.191" v="5"/>
-          <ac:spMkLst>
-            <pc:docMk/>
-            <pc:sldMk cId="4083497232" sldId="259"/>
-            <ac:spMk id="3" creationId="{51800A3C-5039-431D-9722-2BA9BC101614}"/>
-          </ac:spMkLst>
-        </pc:spChg>
-        <pc:spChg chg="add mod">
-          <ac:chgData name="Eric M. Flamm" userId="85cd6ed2a8e6f4b2" providerId="LiveId" clId="{0BB60A15-E81C-462D-A8ED-0DBFBCFEB637}" dt="2020-01-21T18:58:02.857" v="65" actId="114"/>
-          <ac:spMkLst>
-            <pc:docMk/>
-            <pc:sldMk cId="4083497232" sldId="259"/>
-            <ac:spMk id="5" creationId="{05CC02E2-327F-4FBC-8F16-A2855F8B7B6F}"/>
-          </ac:spMkLst>
-        </pc:spChg>
-        <pc:spChg chg="add mod">
-          <ac:chgData name="Eric M. Flamm" userId="85cd6ed2a8e6f4b2" providerId="LiveId" clId="{0BB60A15-E81C-462D-A8ED-0DBFBCFEB637}" dt="2020-01-21T19:24:35.651" v="878" actId="20577"/>
-          <ac:spMkLst>
-            <pc:docMk/>
-            <pc:sldMk cId="4083497232" sldId="259"/>
-            <ac:spMk id="6" creationId="{6FC99201-D063-4D9C-AED0-A4D38F42E441}"/>
-          </ac:spMkLst>
-        </pc:spChg>
-        <pc:picChg chg="add mod">
-          <ac:chgData name="Eric M. Flamm" userId="85cd6ed2a8e6f4b2" providerId="LiveId" clId="{0BB60A15-E81C-462D-A8ED-0DBFBCFEB637}" dt="2020-01-21T18:57:12.108" v="7" actId="1076"/>
-          <ac:picMkLst>
-            <pc:docMk/>
-            <pc:sldMk cId="4083497232" sldId="259"/>
-            <ac:picMk id="4" creationId="{EC163B0D-939F-4896-AE5A-8AC6C97E0DB1}"/>
-          </ac:picMkLst>
-        </pc:picChg>
-      </pc:sldChg>
-      <pc:sldChg chg="modSp">
-        <pc:chgData name="Eric M. Flamm" userId="85cd6ed2a8e6f4b2" providerId="LiveId" clId="{0BB60A15-E81C-462D-A8ED-0DBFBCFEB637}" dt="2020-01-21T19:33:17.957" v="1529" actId="14100"/>
-        <pc:sldMkLst>
-          <pc:docMk/>
-          <pc:sldMk cId="3868603186" sldId="260"/>
-        </pc:sldMkLst>
-        <pc:spChg chg="mod">
-          <ac:chgData name="Eric M. Flamm" userId="85cd6ed2a8e6f4b2" providerId="LiveId" clId="{0BB60A15-E81C-462D-A8ED-0DBFBCFEB637}" dt="2020-01-21T19:33:17.957" v="1529" actId="14100"/>
-          <ac:spMkLst>
-            <pc:docMk/>
-            <pc:sldMk cId="3868603186" sldId="260"/>
-            <ac:spMk id="2" creationId="{A7E32150-A744-412C-A9F6-697436505201}"/>
-          </ac:spMkLst>
-        </pc:spChg>
-        <pc:spChg chg="mod">
-          <ac:chgData name="Eric M. Flamm" userId="85cd6ed2a8e6f4b2" providerId="LiveId" clId="{0BB60A15-E81C-462D-A8ED-0DBFBCFEB637}" dt="2020-01-21T19:32:32.676" v="1528" actId="20577"/>
-          <ac:spMkLst>
-            <pc:docMk/>
-            <pc:sldMk cId="3868603186" sldId="260"/>
-            <ac:spMk id="3" creationId="{92E562D5-6D71-45E4-81A9-BAA81BBDE239}"/>
-          </ac:spMkLst>
-        </pc:spChg>
-      </pc:sldChg>
-      <pc:sldChg chg="addSp delSp modSp">
-        <pc:chgData name="Eric M. Flamm" userId="85cd6ed2a8e6f4b2" providerId="LiveId" clId="{0BB60A15-E81C-462D-A8ED-0DBFBCFEB637}" dt="2020-01-21T19:41:33.532" v="1990" actId="14100"/>
-        <pc:sldMkLst>
-          <pc:docMk/>
-          <pc:sldMk cId="380757044" sldId="261"/>
-        </pc:sldMkLst>
-        <pc:spChg chg="del">
-          <ac:chgData name="Eric M. Flamm" userId="85cd6ed2a8e6f4b2" providerId="LiveId" clId="{0BB60A15-E81C-462D-A8ED-0DBFBCFEB637}" dt="2020-01-21T19:41:22.316" v="1987"/>
-          <ac:spMkLst>
-            <pc:docMk/>
-            <pc:sldMk cId="380757044" sldId="261"/>
-            <ac:spMk id="3" creationId="{A0AE83F8-79B5-4CC2-A3FA-7E0DC00C109D}"/>
-          </ac:spMkLst>
-        </pc:spChg>
-        <pc:picChg chg="add mod">
-          <ac:chgData name="Eric M. Flamm" userId="85cd6ed2a8e6f4b2" providerId="LiveId" clId="{0BB60A15-E81C-462D-A8ED-0DBFBCFEB637}" dt="2020-01-21T19:41:33.532" v="1990" actId="14100"/>
-          <ac:picMkLst>
-            <pc:docMk/>
-            <pc:sldMk cId="380757044" sldId="261"/>
-            <ac:picMk id="2050" creationId="{07E4902E-49AC-4A56-8E16-AF0FDEEF7979}"/>
-          </ac:picMkLst>
-        </pc:picChg>
-      </pc:sldChg>
-      <pc:sldChg chg="addSp modSp">
-        <pc:chgData name="Eric M. Flamm" userId="85cd6ed2a8e6f4b2" providerId="LiveId" clId="{0BB60A15-E81C-462D-A8ED-0DBFBCFEB637}" dt="2020-01-21T19:56:31.855" v="2345" actId="14100"/>
-        <pc:sldMkLst>
-          <pc:docMk/>
-          <pc:sldMk cId="406376085" sldId="262"/>
-        </pc:sldMkLst>
-        <pc:spChg chg="mod">
-          <ac:chgData name="Eric M. Flamm" userId="85cd6ed2a8e6f4b2" providerId="LiveId" clId="{0BB60A15-E81C-462D-A8ED-0DBFBCFEB637}" dt="2020-01-21T19:46:05.702" v="2163" actId="14100"/>
-          <ac:spMkLst>
-            <pc:docMk/>
-            <pc:sldMk cId="406376085" sldId="262"/>
-            <ac:spMk id="2" creationId="{3604BA50-5B5A-4487-AA73-B4E37ADB7135}"/>
-          </ac:spMkLst>
-        </pc:spChg>
-        <pc:spChg chg="mod">
-          <ac:chgData name="Eric M. Flamm" userId="85cd6ed2a8e6f4b2" providerId="LiveId" clId="{0BB60A15-E81C-462D-A8ED-0DBFBCFEB637}" dt="2020-01-21T19:56:28.041" v="2344" actId="14100"/>
-          <ac:spMkLst>
-            <pc:docMk/>
-            <pc:sldMk cId="406376085" sldId="262"/>
-            <ac:spMk id="3" creationId="{6B2A599D-E353-4568-8AD2-D4852B97E3F5}"/>
-          </ac:spMkLst>
-        </pc:spChg>
-        <pc:picChg chg="add mod">
-          <ac:chgData name="Eric M. Flamm" userId="85cd6ed2a8e6f4b2" providerId="LiveId" clId="{0BB60A15-E81C-462D-A8ED-0DBFBCFEB637}" dt="2020-01-21T19:56:31.855" v="2345" actId="14100"/>
-          <ac:picMkLst>
-            <pc:docMk/>
-            <pc:sldMk cId="406376085" sldId="262"/>
-            <ac:picMk id="4" creationId="{722A0CFD-5B39-48E1-969F-85EC3440D657}"/>
-          </ac:picMkLst>
-        </pc:picChg>
-      </pc:sldChg>
-      <pc:sldChg chg="modSp">
-        <pc:chgData name="Eric M. Flamm" userId="85cd6ed2a8e6f4b2" providerId="LiveId" clId="{0BB60A15-E81C-462D-A8ED-0DBFBCFEB637}" dt="2020-01-21T20:44:00.078" v="3069" actId="20577"/>
+        <pc:chgData name="Eric M. Flamm" userId="85cd6ed2a8e6f4b2" providerId="LiveId" clId="{0BB60A15-E81C-462D-A8ED-0DBFBCFEB637}" dt="2020-01-22T15:54:33.066" v="109" actId="27636"/>
         <pc:sldMkLst>
           <pc:docMk/>
           <pc:sldMk cId="1777090762" sldId="263"/>
         </pc:sldMkLst>
         <pc:spChg chg="mod">
-          <ac:chgData name="Eric M. Flamm" userId="85cd6ed2a8e6f4b2" providerId="LiveId" clId="{0BB60A15-E81C-462D-A8ED-0DBFBCFEB637}" dt="2020-01-21T20:44:00.078" v="3069" actId="20577"/>
+          <ac:chgData name="Eric M. Flamm" userId="85cd6ed2a8e6f4b2" providerId="LiveId" clId="{0BB60A15-E81C-462D-A8ED-0DBFBCFEB637}" dt="2020-01-22T15:54:33.066" v="109" actId="27636"/>
           <ac:spMkLst>
             <pc:docMk/>
             <pc:sldMk cId="1777090762" sldId="263"/>
@@ -338,308 +162,29 @@
           </ac:spMkLst>
         </pc:spChg>
       </pc:sldChg>
-      <pc:sldChg chg="mod modShow">
-        <pc:chgData name="Eric M. Flamm" userId="85cd6ed2a8e6f4b2" providerId="LiveId" clId="{0BB60A15-E81C-462D-A8ED-0DBFBCFEB637}" dt="2020-01-21T20:31:43.311" v="2889" actId="729"/>
+    </pc:docChg>
+  </pc:docChgLst>
+  <pc:docChgLst>
+    <pc:chgData name="Eric M. Flamm" userId="85cd6ed2a8e6f4b2" providerId="LiveId" clId="{658B8A1C-C00F-491A-BF1F-C39CEEB74966}"/>
+    <pc:docChg chg="custSel modSld">
+      <pc:chgData name="Eric M. Flamm" userId="85cd6ed2a8e6f4b2" providerId="LiveId" clId="{658B8A1C-C00F-491A-BF1F-C39CEEB74966}" dt="2020-01-21T23:23:48.384" v="77" actId="20577"/>
+      <pc:docMkLst>
+        <pc:docMk/>
+      </pc:docMkLst>
+      <pc:sldChg chg="modSp">
+        <pc:chgData name="Eric M. Flamm" userId="85cd6ed2a8e6f4b2" providerId="LiveId" clId="{658B8A1C-C00F-491A-BF1F-C39CEEB74966}" dt="2020-01-21T23:23:48.384" v="77" actId="20577"/>
         <pc:sldMkLst>
           <pc:docMk/>
-          <pc:sldMk cId="1069251185" sldId="264"/>
-        </pc:sldMkLst>
-      </pc:sldChg>
-      <pc:sldChg chg="modSp">
-        <pc:chgData name="Eric M. Flamm" userId="85cd6ed2a8e6f4b2" providerId="LiveId" clId="{0BB60A15-E81C-462D-A8ED-0DBFBCFEB637}" dt="2020-01-21T21:01:20.125" v="3105" actId="113"/>
-        <pc:sldMkLst>
-          <pc:docMk/>
-          <pc:sldMk cId="4034427415" sldId="266"/>
+          <pc:sldMk cId="1777090762" sldId="263"/>
         </pc:sldMkLst>
         <pc:spChg chg="mod">
-          <ac:chgData name="Eric M. Flamm" userId="85cd6ed2a8e6f4b2" providerId="LiveId" clId="{0BB60A15-E81C-462D-A8ED-0DBFBCFEB637}" dt="2020-01-21T18:52:30.781" v="4" actId="20577"/>
+          <ac:chgData name="Eric M. Flamm" userId="85cd6ed2a8e6f4b2" providerId="LiveId" clId="{658B8A1C-C00F-491A-BF1F-C39CEEB74966}" dt="2020-01-21T23:23:48.384" v="77" actId="20577"/>
           <ac:spMkLst>
             <pc:docMk/>
-            <pc:sldMk cId="4034427415" sldId="266"/>
-            <ac:spMk id="2" creationId="{03F510A0-050C-4F36-81C1-8F52ADC00BCB}"/>
+            <pc:sldMk cId="1777090762" sldId="263"/>
+            <ac:spMk id="3" creationId="{C6DECEFC-C849-4A1F-9824-7A2BE2874315}"/>
           </ac:spMkLst>
         </pc:spChg>
-        <pc:spChg chg="mod">
-          <ac:chgData name="Eric M. Flamm" userId="85cd6ed2a8e6f4b2" providerId="LiveId" clId="{0BB60A15-E81C-462D-A8ED-0DBFBCFEB637}" dt="2020-01-21T21:01:20.125" v="3105" actId="113"/>
-          <ac:spMkLst>
-            <pc:docMk/>
-            <pc:sldMk cId="4034427415" sldId="266"/>
-            <ac:spMk id="3" creationId="{6CB3D78D-5DC8-478A-8818-44B3EDDBD8FE}"/>
-          </ac:spMkLst>
-        </pc:spChg>
-      </pc:sldChg>
-      <pc:sldChg chg="addSp delSp modSp add">
-        <pc:chgData name="Eric M. Flamm" userId="85cd6ed2a8e6f4b2" providerId="LiveId" clId="{0BB60A15-E81C-462D-A8ED-0DBFBCFEB637}" dt="2020-01-21T20:37:36.383" v="2940" actId="14100"/>
-        <pc:sldMkLst>
-          <pc:docMk/>
-          <pc:sldMk cId="3565657042" sldId="267"/>
-        </pc:sldMkLst>
-        <pc:spChg chg="del">
-          <ac:chgData name="Eric M. Flamm" userId="85cd6ed2a8e6f4b2" providerId="LiveId" clId="{0BB60A15-E81C-462D-A8ED-0DBFBCFEB637}" dt="2020-01-21T19:33:26.966" v="1531"/>
-          <ac:spMkLst>
-            <pc:docMk/>
-            <pc:sldMk cId="3565657042" sldId="267"/>
-            <ac:spMk id="2" creationId="{49A40434-8CC8-4AD5-B2D5-98F082DDE651}"/>
-          </ac:spMkLst>
-        </pc:spChg>
-        <pc:spChg chg="mod">
-          <ac:chgData name="Eric M. Flamm" userId="85cd6ed2a8e6f4b2" providerId="LiveId" clId="{0BB60A15-E81C-462D-A8ED-0DBFBCFEB637}" dt="2020-01-21T20:37:36.383" v="2940" actId="14100"/>
-          <ac:spMkLst>
-            <pc:docMk/>
-            <pc:sldMk cId="3565657042" sldId="267"/>
-            <ac:spMk id="3" creationId="{E303F096-BA8A-4D5F-8361-CF5B9B5958AB}"/>
-          </ac:spMkLst>
-        </pc:spChg>
-        <pc:spChg chg="add mod">
-          <ac:chgData name="Eric M. Flamm" userId="85cd6ed2a8e6f4b2" providerId="LiveId" clId="{0BB60A15-E81C-462D-A8ED-0DBFBCFEB637}" dt="2020-01-21T19:33:30.221" v="1532" actId="14100"/>
-          <ac:spMkLst>
-            <pc:docMk/>
-            <pc:sldMk cId="3565657042" sldId="267"/>
-            <ac:spMk id="4" creationId="{664CC550-539D-4F2C-B68B-EFE8B63CF2ED}"/>
-          </ac:spMkLst>
-        </pc:spChg>
-        <pc:picChg chg="add del mod">
-          <ac:chgData name="Eric M. Flamm" userId="85cd6ed2a8e6f4b2" providerId="LiveId" clId="{0BB60A15-E81C-462D-A8ED-0DBFBCFEB637}" dt="2020-01-21T19:40:14.049" v="1974"/>
-          <ac:picMkLst>
-            <pc:docMk/>
-            <pc:sldMk cId="3565657042" sldId="267"/>
-            <ac:picMk id="1026" creationId="{E31698DA-7ABD-4306-9A9B-E848A855CDA6}"/>
-          </ac:picMkLst>
-        </pc:picChg>
-        <pc:picChg chg="add del mod">
-          <ac:chgData name="Eric M. Flamm" userId="85cd6ed2a8e6f4b2" providerId="LiveId" clId="{0BB60A15-E81C-462D-A8ED-0DBFBCFEB637}" dt="2020-01-21T19:41:04.030" v="1984"/>
-          <ac:picMkLst>
-            <pc:docMk/>
-            <pc:sldMk cId="3565657042" sldId="267"/>
-            <ac:picMk id="1028" creationId="{5858D348-E305-444B-95B0-5EB96566A301}"/>
-          </ac:picMkLst>
-        </pc:picChg>
-      </pc:sldChg>
-      <pc:sldChg chg="addSp delSp modSp add">
-        <pc:chgData name="Eric M. Flamm" userId="85cd6ed2a8e6f4b2" providerId="LiveId" clId="{0BB60A15-E81C-462D-A8ED-0DBFBCFEB637}" dt="2020-01-21T19:54:23.349" v="2297" actId="207"/>
-        <pc:sldMkLst>
-          <pc:docMk/>
-          <pc:sldMk cId="4149158067" sldId="268"/>
-        </pc:sldMkLst>
-        <pc:spChg chg="mod">
-          <ac:chgData name="Eric M. Flamm" userId="85cd6ed2a8e6f4b2" providerId="LiveId" clId="{0BB60A15-E81C-462D-A8ED-0DBFBCFEB637}" dt="2020-01-21T19:53:46.644" v="2294" actId="20577"/>
-          <ac:spMkLst>
-            <pc:docMk/>
-            <pc:sldMk cId="4149158067" sldId="268"/>
-            <ac:spMk id="2" creationId="{660978A1-5322-41F6-8D81-3349FD3AA336}"/>
-          </ac:spMkLst>
-        </pc:spChg>
-        <pc:spChg chg="del">
-          <ac:chgData name="Eric M. Flamm" userId="85cd6ed2a8e6f4b2" providerId="LiveId" clId="{0BB60A15-E81C-462D-A8ED-0DBFBCFEB637}" dt="2020-01-21T19:50:06.328" v="2199" actId="478"/>
-          <ac:spMkLst>
-            <pc:docMk/>
-            <pc:sldMk cId="4149158067" sldId="268"/>
-            <ac:spMk id="3" creationId="{5DE6CD85-4078-429E-9CC8-62B3CC84AE6A}"/>
-          </ac:spMkLst>
-        </pc:spChg>
-        <pc:spChg chg="add mod">
-          <ac:chgData name="Eric M. Flamm" userId="85cd6ed2a8e6f4b2" providerId="LiveId" clId="{0BB60A15-E81C-462D-A8ED-0DBFBCFEB637}" dt="2020-01-21T19:54:23.349" v="2297" actId="207"/>
-          <ac:spMkLst>
-            <pc:docMk/>
-            <pc:sldMk cId="4149158067" sldId="268"/>
-            <ac:spMk id="6" creationId="{8C892C56-BDAC-40F8-994B-7D2B30C54B9A}"/>
-          </ac:spMkLst>
-        </pc:spChg>
-        <pc:picChg chg="add mod">
-          <ac:chgData name="Eric M. Flamm" userId="85cd6ed2a8e6f4b2" providerId="LiveId" clId="{0BB60A15-E81C-462D-A8ED-0DBFBCFEB637}" dt="2020-01-21T19:50:44.346" v="2202" actId="1076"/>
-          <ac:picMkLst>
-            <pc:docMk/>
-            <pc:sldMk cId="4149158067" sldId="268"/>
-            <ac:picMk id="4" creationId="{ACD6964C-CCCD-48D2-A085-3BA8BEB1F1B8}"/>
-          </ac:picMkLst>
-        </pc:picChg>
-        <pc:picChg chg="add mod">
-          <ac:chgData name="Eric M. Flamm" userId="85cd6ed2a8e6f4b2" providerId="LiveId" clId="{0BB60A15-E81C-462D-A8ED-0DBFBCFEB637}" dt="2020-01-21T19:51:28.780" v="2204" actId="1076"/>
-          <ac:picMkLst>
-            <pc:docMk/>
-            <pc:sldMk cId="4149158067" sldId="268"/>
-            <ac:picMk id="5" creationId="{60A79363-DC62-47DA-B5A1-962B1AA22898}"/>
-          </ac:picMkLst>
-        </pc:picChg>
-      </pc:sldChg>
-      <pc:sldChg chg="addSp delSp modSp add">
-        <pc:chgData name="Eric M. Flamm" userId="85cd6ed2a8e6f4b2" providerId="LiveId" clId="{0BB60A15-E81C-462D-A8ED-0DBFBCFEB637}" dt="2020-01-21T19:56:00.899" v="2342" actId="1076"/>
-        <pc:sldMkLst>
-          <pc:docMk/>
-          <pc:sldMk cId="3028447538" sldId="269"/>
-        </pc:sldMkLst>
-        <pc:spChg chg="mod">
-          <ac:chgData name="Eric M. Flamm" userId="85cd6ed2a8e6f4b2" providerId="LiveId" clId="{0BB60A15-E81C-462D-A8ED-0DBFBCFEB637}" dt="2020-01-21T19:55:22.770" v="2337" actId="14100"/>
-          <ac:spMkLst>
-            <pc:docMk/>
-            <pc:sldMk cId="3028447538" sldId="269"/>
-            <ac:spMk id="2" creationId="{594B90B7-B120-4F7C-8D75-D87424E97E3D}"/>
-          </ac:spMkLst>
-        </pc:spChg>
-        <pc:spChg chg="del">
-          <ac:chgData name="Eric M. Flamm" userId="85cd6ed2a8e6f4b2" providerId="LiveId" clId="{0BB60A15-E81C-462D-A8ED-0DBFBCFEB637}" dt="2020-01-21T19:55:29.380" v="2338" actId="478"/>
-          <ac:spMkLst>
-            <pc:docMk/>
-            <pc:sldMk cId="3028447538" sldId="269"/>
-            <ac:spMk id="3" creationId="{D14A515E-9B1A-447D-BCB5-A42CB82FB9A3}"/>
-          </ac:spMkLst>
-        </pc:spChg>
-        <pc:picChg chg="add mod">
-          <ac:chgData name="Eric M. Flamm" userId="85cd6ed2a8e6f4b2" providerId="LiveId" clId="{0BB60A15-E81C-462D-A8ED-0DBFBCFEB637}" dt="2020-01-21T19:56:00.899" v="2342" actId="1076"/>
-          <ac:picMkLst>
-            <pc:docMk/>
-            <pc:sldMk cId="3028447538" sldId="269"/>
-            <ac:picMk id="4" creationId="{229F4E0E-09CF-446B-A29D-56C4B1956340}"/>
-          </ac:picMkLst>
-        </pc:picChg>
-      </pc:sldChg>
-      <pc:sldChg chg="addSp delSp modSp add">
-        <pc:chgData name="Eric M. Flamm" userId="85cd6ed2a8e6f4b2" providerId="LiveId" clId="{0BB60A15-E81C-462D-A8ED-0DBFBCFEB637}" dt="2020-01-21T20:47:32.140" v="3075" actId="1076"/>
-        <pc:sldMkLst>
-          <pc:docMk/>
-          <pc:sldMk cId="4195812613" sldId="270"/>
-        </pc:sldMkLst>
-        <pc:spChg chg="mod">
-          <ac:chgData name="Eric M. Flamm" userId="85cd6ed2a8e6f4b2" providerId="LiveId" clId="{0BB60A15-E81C-462D-A8ED-0DBFBCFEB637}" dt="2020-01-21T20:03:32.068" v="2554" actId="20577"/>
-          <ac:spMkLst>
-            <pc:docMk/>
-            <pc:sldMk cId="4195812613" sldId="270"/>
-            <ac:spMk id="2" creationId="{8A8EEDBF-575C-4F7B-B866-A837A2BA9C8F}"/>
-          </ac:spMkLst>
-        </pc:spChg>
-        <pc:spChg chg="del">
-          <ac:chgData name="Eric M. Flamm" userId="85cd6ed2a8e6f4b2" providerId="LiveId" clId="{0BB60A15-E81C-462D-A8ED-0DBFBCFEB637}" dt="2020-01-21T20:07:23.518" v="2555"/>
-          <ac:spMkLst>
-            <pc:docMk/>
-            <pc:sldMk cId="4195812613" sldId="270"/>
-            <ac:spMk id="3" creationId="{36B9AB1D-A1EA-4B1D-BB7A-E6D494975708}"/>
-          </ac:spMkLst>
-        </pc:spChg>
-        <pc:spChg chg="add del mod">
-          <ac:chgData name="Eric M. Flamm" userId="85cd6ed2a8e6f4b2" providerId="LiveId" clId="{0BB60A15-E81C-462D-A8ED-0DBFBCFEB637}" dt="2020-01-21T20:09:41.490" v="2645" actId="478"/>
-          <ac:spMkLst>
-            <pc:docMk/>
-            <pc:sldMk cId="4195812613" sldId="270"/>
-            <ac:spMk id="6" creationId="{324E480A-9945-4406-A226-5BFB0C695D86}"/>
-          </ac:spMkLst>
-        </pc:spChg>
-        <pc:graphicFrameChg chg="add del mod">
-          <ac:chgData name="Eric M. Flamm" userId="85cd6ed2a8e6f4b2" providerId="LiveId" clId="{0BB60A15-E81C-462D-A8ED-0DBFBCFEB637}" dt="2020-01-21T20:09:37.163" v="2644" actId="478"/>
-          <ac:graphicFrameMkLst>
-            <pc:docMk/>
-            <pc:sldMk cId="4195812613" sldId="270"/>
-            <ac:graphicFrameMk id="4" creationId="{5B6F1317-1C5B-45A3-85FC-4B3E0A918932}"/>
-          </ac:graphicFrameMkLst>
-        </pc:graphicFrameChg>
-        <pc:graphicFrameChg chg="add mod">
-          <ac:chgData name="Eric M. Flamm" userId="85cd6ed2a8e6f4b2" providerId="LiveId" clId="{0BB60A15-E81C-462D-A8ED-0DBFBCFEB637}" dt="2020-01-21T20:12:58.942" v="2665" actId="1076"/>
-          <ac:graphicFrameMkLst>
-            <pc:docMk/>
-            <pc:sldMk cId="4195812613" sldId="270"/>
-            <ac:graphicFrameMk id="5" creationId="{BF914B0C-A250-4906-98AB-99B9FD4F9938}"/>
-          </ac:graphicFrameMkLst>
-        </pc:graphicFrameChg>
-        <pc:graphicFrameChg chg="add mod">
-          <ac:chgData name="Eric M. Flamm" userId="85cd6ed2a8e6f4b2" providerId="LiveId" clId="{0BB60A15-E81C-462D-A8ED-0DBFBCFEB637}" dt="2020-01-21T20:12:28.701" v="2658" actId="1076"/>
-          <ac:graphicFrameMkLst>
-            <pc:docMk/>
-            <pc:sldMk cId="4195812613" sldId="270"/>
-            <ac:graphicFrameMk id="7" creationId="{CE0B8CB4-BA5F-4D60-92E5-0E89E34F666B}"/>
-          </ac:graphicFrameMkLst>
-        </pc:graphicFrameChg>
-        <pc:graphicFrameChg chg="add mod">
-          <ac:chgData name="Eric M. Flamm" userId="85cd6ed2a8e6f4b2" providerId="LiveId" clId="{0BB60A15-E81C-462D-A8ED-0DBFBCFEB637}" dt="2020-01-21T20:12:39.549" v="2660" actId="1076"/>
-          <ac:graphicFrameMkLst>
-            <pc:docMk/>
-            <pc:sldMk cId="4195812613" sldId="270"/>
-            <ac:graphicFrameMk id="8" creationId="{95EFF81A-C988-4AD2-B5BE-5DC582B457A5}"/>
-          </ac:graphicFrameMkLst>
-        </pc:graphicFrameChg>
-        <pc:graphicFrameChg chg="add mod">
-          <ac:chgData name="Eric M. Flamm" userId="85cd6ed2a8e6f4b2" providerId="LiveId" clId="{0BB60A15-E81C-462D-A8ED-0DBFBCFEB637}" dt="2020-01-21T20:47:32.140" v="3075" actId="1076"/>
-          <ac:graphicFrameMkLst>
-            <pc:docMk/>
-            <pc:sldMk cId="4195812613" sldId="270"/>
-            <ac:graphicFrameMk id="11" creationId="{38BE4BEC-B649-4690-AFFE-2E22BFCF6D1D}"/>
-          </ac:graphicFrameMkLst>
-        </pc:graphicFrameChg>
-      </pc:sldChg>
-      <pc:sldChg chg="modSp add">
-        <pc:chgData name="Eric M. Flamm" userId="85cd6ed2a8e6f4b2" providerId="LiveId" clId="{0BB60A15-E81C-462D-A8ED-0DBFBCFEB637}" dt="2020-01-21T20:30:09.276" v="2888"/>
-        <pc:sldMkLst>
-          <pc:docMk/>
-          <pc:sldMk cId="3102835607" sldId="271"/>
-        </pc:sldMkLst>
-        <pc:spChg chg="mod">
-          <ac:chgData name="Eric M. Flamm" userId="85cd6ed2a8e6f4b2" providerId="LiveId" clId="{0BB60A15-E81C-462D-A8ED-0DBFBCFEB637}" dt="2020-01-21T20:26:43.709" v="2756" actId="20577"/>
-          <ac:spMkLst>
-            <pc:docMk/>
-            <pc:sldMk cId="3102835607" sldId="271"/>
-            <ac:spMk id="2" creationId="{3AE06EA9-21D4-42C6-B9D8-C57995BB7516}"/>
-          </ac:spMkLst>
-        </pc:spChg>
-        <pc:spChg chg="mod">
-          <ac:chgData name="Eric M. Flamm" userId="85cd6ed2a8e6f4b2" providerId="LiveId" clId="{0BB60A15-E81C-462D-A8ED-0DBFBCFEB637}" dt="2020-01-21T20:30:09.276" v="2888"/>
-          <ac:spMkLst>
-            <pc:docMk/>
-            <pc:sldMk cId="3102835607" sldId="271"/>
-            <ac:spMk id="3" creationId="{FFF92052-E6F1-44C7-96AF-F4E89F058406}"/>
-          </ac:spMkLst>
-        </pc:spChg>
-      </pc:sldChg>
-      <pc:sldChg chg="modSp add">
-        <pc:chgData name="Eric M. Flamm" userId="85cd6ed2a8e6f4b2" providerId="LiveId" clId="{0BB60A15-E81C-462D-A8ED-0DBFBCFEB637}" dt="2020-01-21T20:55:18.443" v="3096" actId="313"/>
-        <pc:sldMkLst>
-          <pc:docMk/>
-          <pc:sldMk cId="1223296042" sldId="272"/>
-        </pc:sldMkLst>
-        <pc:spChg chg="mod">
-          <ac:chgData name="Eric M. Flamm" userId="85cd6ed2a8e6f4b2" providerId="LiveId" clId="{0BB60A15-E81C-462D-A8ED-0DBFBCFEB637}" dt="2020-01-21T20:33:59.422" v="2898" actId="20577"/>
-          <ac:spMkLst>
-            <pc:docMk/>
-            <pc:sldMk cId="1223296042" sldId="272"/>
-            <ac:spMk id="2" creationId="{18372DBE-DCB0-4EBF-8965-7B2B920D1D4D}"/>
-          </ac:spMkLst>
-        </pc:spChg>
-        <pc:spChg chg="mod">
-          <ac:chgData name="Eric M. Flamm" userId="85cd6ed2a8e6f4b2" providerId="LiveId" clId="{0BB60A15-E81C-462D-A8ED-0DBFBCFEB637}" dt="2020-01-21T20:55:18.443" v="3096" actId="313"/>
-          <ac:spMkLst>
-            <pc:docMk/>
-            <pc:sldMk cId="1223296042" sldId="272"/>
-            <ac:spMk id="3" creationId="{5D51CC6A-97FB-49B9-B5DE-0D36ACEC970A}"/>
-          </ac:spMkLst>
-        </pc:spChg>
-      </pc:sldChg>
-      <pc:sldChg chg="addSp delSp add mod modShow">
-        <pc:chgData name="Eric M. Flamm" userId="85cd6ed2a8e6f4b2" providerId="LiveId" clId="{0BB60A15-E81C-462D-A8ED-0DBFBCFEB637}" dt="2020-01-21T21:03:07.312" v="3106" actId="729"/>
-        <pc:sldMkLst>
-          <pc:docMk/>
-          <pc:sldMk cId="3616640454" sldId="273"/>
-        </pc:sldMkLst>
-        <pc:spChg chg="del">
-          <ac:chgData name="Eric M. Flamm" userId="85cd6ed2a8e6f4b2" providerId="LiveId" clId="{0BB60A15-E81C-462D-A8ED-0DBFBCFEB637}" dt="2020-01-21T20:39:30.589" v="2943" actId="478"/>
-          <ac:spMkLst>
-            <pc:docMk/>
-            <pc:sldMk cId="3616640454" sldId="273"/>
-            <ac:spMk id="2" creationId="{2D0AD4A4-012A-42E9-9EB8-F54604CB0D36}"/>
-          </ac:spMkLst>
-        </pc:spChg>
-        <pc:spChg chg="del">
-          <ac:chgData name="Eric M. Flamm" userId="85cd6ed2a8e6f4b2" providerId="LiveId" clId="{0BB60A15-E81C-462D-A8ED-0DBFBCFEB637}" dt="2020-01-21T20:39:25.887" v="2942" actId="478"/>
-          <ac:spMkLst>
-            <pc:docMk/>
-            <pc:sldMk cId="3616640454" sldId="273"/>
-            <ac:spMk id="3" creationId="{02F04490-1A15-47D8-A44E-93E770FA2098}"/>
-          </ac:spMkLst>
-        </pc:spChg>
-        <pc:picChg chg="add">
-          <ac:chgData name="Eric M. Flamm" userId="85cd6ed2a8e6f4b2" providerId="LiveId" clId="{0BB60A15-E81C-462D-A8ED-0DBFBCFEB637}" dt="2020-01-21T20:39:32.665" v="2944"/>
-          <ac:picMkLst>
-            <pc:docMk/>
-            <pc:sldMk cId="3616640454" sldId="273"/>
-            <ac:picMk id="4" creationId="{728908D4-C3DB-4550-B8F8-752FFB72E13E}"/>
-          </ac:picMkLst>
-        </pc:picChg>
       </pc:sldChg>
     </pc:docChg>
   </pc:docChgLst>
@@ -832,7 +377,7 @@
           <a:p>
             <a:fld id="{4AAD347D-5ACD-4C99-B74B-A9C85AD731AF}" type="datetimeFigureOut">
               <a:rPr lang="en-US" dirty="0"/>
-              <a:t>1/21/2020</a:t>
+              <a:t>1/22/2020</a:t>
             </a:fld>
             <a:endParaRPr lang="en-US" dirty="0"/>
           </a:p>
@@ -1102,7 +647,7 @@
           <a:p>
             <a:fld id="{4509A250-FF31-4206-8172-F9D3106AACB1}" type="datetimeFigureOut">
               <a:rPr lang="en-US" dirty="0"/>
-              <a:t>1/21/2020</a:t>
+              <a:t>1/22/2020</a:t>
             </a:fld>
             <a:endParaRPr lang="en-US" dirty="0"/>
           </a:p>
@@ -1291,7 +836,7 @@
           <a:p>
             <a:fld id="{4509A250-FF31-4206-8172-F9D3106AACB1}" type="datetimeFigureOut">
               <a:rPr lang="en-US" dirty="0"/>
-              <a:t>1/21/2020</a:t>
+              <a:t>1/22/2020</a:t>
             </a:fld>
             <a:endParaRPr lang="en-US" dirty="0"/>
           </a:p>
@@ -1559,7 +1104,7 @@
           <a:p>
             <a:fld id="{4509A250-FF31-4206-8172-F9D3106AACB1}" type="datetimeFigureOut">
               <a:rPr lang="en-US" dirty="0"/>
-              <a:t>1/21/2020</a:t>
+              <a:t>1/22/2020</a:t>
             </a:fld>
             <a:endParaRPr lang="en-US" dirty="0"/>
           </a:p>
@@ -1895,7 +1440,7 @@
           <a:p>
             <a:fld id="{4509A250-FF31-4206-8172-F9D3106AACB1}" type="datetimeFigureOut">
               <a:rPr lang="en-US" dirty="0"/>
-              <a:t>1/21/2020</a:t>
+              <a:t>1/22/2020</a:t>
             </a:fld>
             <a:endParaRPr lang="en-US" dirty="0"/>
           </a:p>
@@ -2513,7 +2058,7 @@
           <a:p>
             <a:fld id="{4509A250-FF31-4206-8172-F9D3106AACB1}" type="datetimeFigureOut">
               <a:rPr lang="en-US" dirty="0"/>
-              <a:t>1/21/2020</a:t>
+              <a:t>1/22/2020</a:t>
             </a:fld>
             <a:endParaRPr lang="en-US" dirty="0"/>
           </a:p>
@@ -3368,7 +2913,7 @@
           <a:p>
             <a:fld id="{4509A250-FF31-4206-8172-F9D3106AACB1}" type="datetimeFigureOut">
               <a:rPr lang="en-US" dirty="0"/>
-              <a:t>1/21/2020</a:t>
+              <a:t>1/22/2020</a:t>
             </a:fld>
             <a:endParaRPr lang="en-US" dirty="0"/>
           </a:p>
@@ -3533,7 +3078,7 @@
           <a:p>
             <a:fld id="{4509A250-FF31-4206-8172-F9D3106AACB1}" type="datetimeFigureOut">
               <a:rPr lang="en-US" dirty="0"/>
-              <a:t>1/21/2020</a:t>
+              <a:t>1/22/2020</a:t>
             </a:fld>
             <a:endParaRPr lang="en-US" dirty="0"/>
           </a:p>
@@ -3708,7 +3253,7 @@
           <a:p>
             <a:fld id="{4509A250-FF31-4206-8172-F9D3106AACB1}" type="datetimeFigureOut">
               <a:rPr lang="en-US" dirty="0"/>
-              <a:t>1/21/2020</a:t>
+              <a:t>1/22/2020</a:t>
             </a:fld>
             <a:endParaRPr lang="en-US" dirty="0"/>
           </a:p>
@@ -3873,7 +3418,7 @@
           <a:p>
             <a:fld id="{4509A250-FF31-4206-8172-F9D3106AACB1}" type="datetimeFigureOut">
               <a:rPr lang="en-US" dirty="0"/>
-              <a:t>1/21/2020</a:t>
+              <a:t>1/22/2020</a:t>
             </a:fld>
             <a:endParaRPr lang="en-US" dirty="0"/>
           </a:p>
@@ -4115,7 +3660,7 @@
           <a:p>
             <a:fld id="{9796027F-7875-4030-9381-8BD8C4F21935}" type="datetimeFigureOut">
               <a:rPr lang="en-US" dirty="0"/>
-              <a:t>1/21/2020</a:t>
+              <a:t>1/22/2020</a:t>
             </a:fld>
             <a:endParaRPr lang="en-US" dirty="0"/>
           </a:p>
@@ -4402,7 +3947,7 @@
           <a:p>
             <a:fld id="{9796027F-7875-4030-9381-8BD8C4F21935}" type="datetimeFigureOut">
               <a:rPr lang="en-US" dirty="0"/>
-              <a:t>1/21/2020</a:t>
+              <a:t>1/22/2020</a:t>
             </a:fld>
             <a:endParaRPr lang="en-US" dirty="0"/>
           </a:p>
@@ -4841,7 +4386,7 @@
           <a:p>
             <a:fld id="{9796027F-7875-4030-9381-8BD8C4F21935}" type="datetimeFigureOut">
               <a:rPr lang="en-US" dirty="0"/>
-              <a:t>1/21/2020</a:t>
+              <a:t>1/22/2020</a:t>
             </a:fld>
             <a:endParaRPr lang="en-US" dirty="0"/>
           </a:p>
@@ -4954,7 +4499,7 @@
           <a:p>
             <a:fld id="{4509A250-FF31-4206-8172-F9D3106AACB1}" type="datetimeFigureOut">
               <a:rPr lang="en-US" dirty="0"/>
-              <a:t>1/21/2020</a:t>
+              <a:t>1/22/2020</a:t>
             </a:fld>
             <a:endParaRPr lang="en-US" dirty="0"/>
           </a:p>
@@ -5044,7 +4589,7 @@
           <a:p>
             <a:fld id="{4509A250-FF31-4206-8172-F9D3106AACB1}" type="datetimeFigureOut">
               <a:rPr lang="en-US" dirty="0"/>
-              <a:t>1/21/2020</a:t>
+              <a:t>1/22/2020</a:t>
             </a:fld>
             <a:endParaRPr lang="en-US" dirty="0"/>
           </a:p>
@@ -5318,7 +4863,7 @@
           <a:p>
             <a:fld id="{4509A250-FF31-4206-8172-F9D3106AACB1}" type="datetimeFigureOut">
               <a:rPr lang="en-US" dirty="0"/>
-              <a:t>1/21/2020</a:t>
+              <a:t>1/22/2020</a:t>
             </a:fld>
             <a:endParaRPr lang="en-US" dirty="0"/>
           </a:p>
@@ -5588,7 +5133,7 @@
           <a:p>
             <a:fld id="{4509A250-FF31-4206-8172-F9D3106AACB1}" type="datetimeFigureOut">
               <a:rPr lang="en-US" dirty="0"/>
-              <a:t>1/21/2020</a:t>
+              <a:t>1/22/2020</a:t>
             </a:fld>
             <a:endParaRPr lang="en-US" dirty="0"/>
           </a:p>
@@ -6012,7 +5557,7 @@
           <a:p>
             <a:fld id="{4AAD347D-5ACD-4C99-B74B-A9C85AD731AF}" type="datetimeFigureOut">
               <a:rPr lang="en-US" dirty="0"/>
-              <a:t>1/21/2020</a:t>
+              <a:t>1/22/2020</a:t>
             </a:fld>
             <a:endParaRPr lang="en-US" dirty="0"/>
           </a:p>
@@ -6765,9 +6310,16 @@
             <p:ph idx="1"/>
           </p:nvPr>
         </p:nvSpPr>
-        <p:spPr/>
-        <p:txBody>
-          <a:bodyPr/>
+        <p:spPr>
+          <a:xfrm>
+            <a:off x="1103312" y="1615156"/>
+            <a:ext cx="8946541" cy="4633244"/>
+          </a:xfrm>
+        </p:spPr>
+        <p:txBody>
+          <a:bodyPr>
+            <a:normAutofit/>
+          </a:bodyPr>
           <a:lstStyle/>
           <a:p>
             <a:r>
@@ -6827,6 +6379,50 @@
             <a:r>
               <a:rPr lang="en-US" dirty="0"/>
               <a:t>Available for many (but not all) role-based certification tests</a:t>
+            </a:r>
+          </a:p>
+          <a:p>
+            <a:pPr lvl="1"/>
+            <a:r>
+              <a:rPr lang="en-US" dirty="0" err="1"/>
+              <a:t>Wintellect</a:t>
+            </a:r>
+            <a:r>
+              <a:rPr lang="en-US" dirty="0"/>
+              <a:t> Azure Certification Courses – </a:t>
+            </a:r>
+            <a:r>
+              <a:rPr lang="en-US" dirty="0">
+                <a:hlinkClick r:id="rId2"/>
+              </a:rPr>
+              <a:t>https://j.mp/wintellect-cert-offer</a:t>
+            </a:r>
+            <a:endParaRPr lang="en-US" dirty="0"/>
+          </a:p>
+          <a:p>
+            <a:pPr lvl="1"/>
+            <a:r>
+              <a:rPr lang="en-US" dirty="0">
+                <a:hlinkClick r:id="rId3"/>
+              </a:rPr>
+              <a:t>Linux Academy </a:t>
+            </a:r>
+            <a:r>
+              <a:rPr lang="en-US" dirty="0"/>
+              <a:t>(some free Azure content – registration required)</a:t>
+            </a:r>
+          </a:p>
+          <a:p>
+            <a:pPr lvl="1"/>
+            <a:r>
+              <a:rPr lang="en-US" dirty="0">
+                <a:hlinkClick r:id="rId4"/>
+              </a:rPr>
+              <a:t>LinkedIn Learning</a:t>
+            </a:r>
+            <a:r>
+              <a:rPr lang="en-US" dirty="0"/>
+              <a:t> (requires premium subscription)</a:t>
             </a:r>
           </a:p>
         </p:txBody>
